--- a/Projeto3/Presentation3min.pptx
+++ b/Projeto3/Presentation3min.pptx
@@ -266,7 +266,7 @@
           <a:p>
             <a:fld id="{6A58CEDB-879F-4E3D-8192-1252D44E9414}" type="datetimeFigureOut">
               <a:rPr lang="pt-BR" smtClean="0"/>
-              <a:t>05/08/2020</a:t>
+              <a:t>06/08/2020</a:t>
             </a:fld>
             <a:endParaRPr lang="pt-BR"/>
           </a:p>
@@ -464,7 +464,7 @@
           <a:p>
             <a:fld id="{6A58CEDB-879F-4E3D-8192-1252D44E9414}" type="datetimeFigureOut">
               <a:rPr lang="pt-BR" smtClean="0"/>
-              <a:t>05/08/2020</a:t>
+              <a:t>06/08/2020</a:t>
             </a:fld>
             <a:endParaRPr lang="pt-BR"/>
           </a:p>
@@ -672,7 +672,7 @@
           <a:p>
             <a:fld id="{6A58CEDB-879F-4E3D-8192-1252D44E9414}" type="datetimeFigureOut">
               <a:rPr lang="pt-BR" smtClean="0"/>
-              <a:t>05/08/2020</a:t>
+              <a:t>06/08/2020</a:t>
             </a:fld>
             <a:endParaRPr lang="pt-BR"/>
           </a:p>
@@ -870,7 +870,7 @@
           <a:p>
             <a:fld id="{6A58CEDB-879F-4E3D-8192-1252D44E9414}" type="datetimeFigureOut">
               <a:rPr lang="pt-BR" smtClean="0"/>
-              <a:t>05/08/2020</a:t>
+              <a:t>06/08/2020</a:t>
             </a:fld>
             <a:endParaRPr lang="pt-BR"/>
           </a:p>
@@ -1145,7 +1145,7 @@
           <a:p>
             <a:fld id="{6A58CEDB-879F-4E3D-8192-1252D44E9414}" type="datetimeFigureOut">
               <a:rPr lang="pt-BR" smtClean="0"/>
-              <a:t>05/08/2020</a:t>
+              <a:t>06/08/2020</a:t>
             </a:fld>
             <a:endParaRPr lang="pt-BR"/>
           </a:p>
@@ -1410,7 +1410,7 @@
           <a:p>
             <a:fld id="{6A58CEDB-879F-4E3D-8192-1252D44E9414}" type="datetimeFigureOut">
               <a:rPr lang="pt-BR" smtClean="0"/>
-              <a:t>05/08/2020</a:t>
+              <a:t>06/08/2020</a:t>
             </a:fld>
             <a:endParaRPr lang="pt-BR"/>
           </a:p>
@@ -1822,7 +1822,7 @@
           <a:p>
             <a:fld id="{6A58CEDB-879F-4E3D-8192-1252D44E9414}" type="datetimeFigureOut">
               <a:rPr lang="pt-BR" smtClean="0"/>
-              <a:t>05/08/2020</a:t>
+              <a:t>06/08/2020</a:t>
             </a:fld>
             <a:endParaRPr lang="pt-BR"/>
           </a:p>
@@ -1963,7 +1963,7 @@
           <a:p>
             <a:fld id="{6A58CEDB-879F-4E3D-8192-1252D44E9414}" type="datetimeFigureOut">
               <a:rPr lang="pt-BR" smtClean="0"/>
-              <a:t>05/08/2020</a:t>
+              <a:t>06/08/2020</a:t>
             </a:fld>
             <a:endParaRPr lang="pt-BR"/>
           </a:p>
@@ -2076,7 +2076,7 @@
           <a:p>
             <a:fld id="{6A58CEDB-879F-4E3D-8192-1252D44E9414}" type="datetimeFigureOut">
               <a:rPr lang="pt-BR" smtClean="0"/>
-              <a:t>05/08/2020</a:t>
+              <a:t>06/08/2020</a:t>
             </a:fld>
             <a:endParaRPr lang="pt-BR"/>
           </a:p>
@@ -2387,7 +2387,7 @@
           <a:p>
             <a:fld id="{6A58CEDB-879F-4E3D-8192-1252D44E9414}" type="datetimeFigureOut">
               <a:rPr lang="pt-BR" smtClean="0"/>
-              <a:t>05/08/2020</a:t>
+              <a:t>06/08/2020</a:t>
             </a:fld>
             <a:endParaRPr lang="pt-BR"/>
           </a:p>
@@ -2675,7 +2675,7 @@
           <a:p>
             <a:fld id="{6A58CEDB-879F-4E3D-8192-1252D44E9414}" type="datetimeFigureOut">
               <a:rPr lang="pt-BR" smtClean="0"/>
-              <a:t>05/08/2020</a:t>
+              <a:t>06/08/2020</a:t>
             </a:fld>
             <a:endParaRPr lang="pt-BR"/>
           </a:p>
@@ -2916,7 +2916,7 @@
           <a:p>
             <a:fld id="{6A58CEDB-879F-4E3D-8192-1252D44E9414}" type="datetimeFigureOut">
               <a:rPr lang="pt-BR" smtClean="0"/>
-              <a:t>05/08/2020</a:t>
+              <a:t>06/08/2020</a:t>
             </a:fld>
             <a:endParaRPr lang="pt-BR"/>
           </a:p>
@@ -3392,15 +3392,7 @@
           <a:p>
             <a:r>
               <a:rPr lang="pt-BR" dirty="0"/>
-              <a:t>T. </a:t>
-            </a:r>
-            <a:r>
-              <a:rPr lang="pt-BR" dirty="0" err="1"/>
-              <a:t>Nazatto</a:t>
-            </a:r>
-            <a:r>
-              <a:rPr lang="pt-BR" dirty="0"/>
-              <a:t> RA </a:t>
+              <a:t>T. Nazatto RA 074388</a:t>
             </a:r>
           </a:p>
         </p:txBody>

--- a/Projeto3/Presentation3min.pptx
+++ b/Projeto3/Presentation3min.pptx
@@ -7,8 +7,8 @@
   <p:sldIdLst>
     <p:sldId id="256" r:id="rId2"/>
     <p:sldId id="266" r:id="rId3"/>
-    <p:sldId id="265" r:id="rId4"/>
-    <p:sldId id="267" r:id="rId5"/>
+    <p:sldId id="269" r:id="rId4"/>
+    <p:sldId id="270" r:id="rId5"/>
     <p:sldId id="257" r:id="rId6"/>
     <p:sldId id="268" r:id="rId7"/>
     <p:sldId id="264" r:id="rId8"/>
@@ -266,7 +266,7 @@
           <a:p>
             <a:fld id="{6A58CEDB-879F-4E3D-8192-1252D44E9414}" type="datetimeFigureOut">
               <a:rPr lang="pt-BR" smtClean="0"/>
-              <a:t>06/08/2020</a:t>
+              <a:t>08/08/2020</a:t>
             </a:fld>
             <a:endParaRPr lang="pt-BR"/>
           </a:p>
@@ -464,7 +464,7 @@
           <a:p>
             <a:fld id="{6A58CEDB-879F-4E3D-8192-1252D44E9414}" type="datetimeFigureOut">
               <a:rPr lang="pt-BR" smtClean="0"/>
-              <a:t>06/08/2020</a:t>
+              <a:t>08/08/2020</a:t>
             </a:fld>
             <a:endParaRPr lang="pt-BR"/>
           </a:p>
@@ -672,7 +672,7 @@
           <a:p>
             <a:fld id="{6A58CEDB-879F-4E3D-8192-1252D44E9414}" type="datetimeFigureOut">
               <a:rPr lang="pt-BR" smtClean="0"/>
-              <a:t>06/08/2020</a:t>
+              <a:t>08/08/2020</a:t>
             </a:fld>
             <a:endParaRPr lang="pt-BR"/>
           </a:p>
@@ -870,7 +870,7 @@
           <a:p>
             <a:fld id="{6A58CEDB-879F-4E3D-8192-1252D44E9414}" type="datetimeFigureOut">
               <a:rPr lang="pt-BR" smtClean="0"/>
-              <a:t>06/08/2020</a:t>
+              <a:t>08/08/2020</a:t>
             </a:fld>
             <a:endParaRPr lang="pt-BR"/>
           </a:p>
@@ -1145,7 +1145,7 @@
           <a:p>
             <a:fld id="{6A58CEDB-879F-4E3D-8192-1252D44E9414}" type="datetimeFigureOut">
               <a:rPr lang="pt-BR" smtClean="0"/>
-              <a:t>06/08/2020</a:t>
+              <a:t>08/08/2020</a:t>
             </a:fld>
             <a:endParaRPr lang="pt-BR"/>
           </a:p>
@@ -1410,7 +1410,7 @@
           <a:p>
             <a:fld id="{6A58CEDB-879F-4E3D-8192-1252D44E9414}" type="datetimeFigureOut">
               <a:rPr lang="pt-BR" smtClean="0"/>
-              <a:t>06/08/2020</a:t>
+              <a:t>08/08/2020</a:t>
             </a:fld>
             <a:endParaRPr lang="pt-BR"/>
           </a:p>
@@ -1822,7 +1822,7 @@
           <a:p>
             <a:fld id="{6A58CEDB-879F-4E3D-8192-1252D44E9414}" type="datetimeFigureOut">
               <a:rPr lang="pt-BR" smtClean="0"/>
-              <a:t>06/08/2020</a:t>
+              <a:t>08/08/2020</a:t>
             </a:fld>
             <a:endParaRPr lang="pt-BR"/>
           </a:p>
@@ -1963,7 +1963,7 @@
           <a:p>
             <a:fld id="{6A58CEDB-879F-4E3D-8192-1252D44E9414}" type="datetimeFigureOut">
               <a:rPr lang="pt-BR" smtClean="0"/>
-              <a:t>06/08/2020</a:t>
+              <a:t>08/08/2020</a:t>
             </a:fld>
             <a:endParaRPr lang="pt-BR"/>
           </a:p>
@@ -2076,7 +2076,7 @@
           <a:p>
             <a:fld id="{6A58CEDB-879F-4E3D-8192-1252D44E9414}" type="datetimeFigureOut">
               <a:rPr lang="pt-BR" smtClean="0"/>
-              <a:t>06/08/2020</a:t>
+              <a:t>08/08/2020</a:t>
             </a:fld>
             <a:endParaRPr lang="pt-BR"/>
           </a:p>
@@ -2387,7 +2387,7 @@
           <a:p>
             <a:fld id="{6A58CEDB-879F-4E3D-8192-1252D44E9414}" type="datetimeFigureOut">
               <a:rPr lang="pt-BR" smtClean="0"/>
-              <a:t>06/08/2020</a:t>
+              <a:t>08/08/2020</a:t>
             </a:fld>
             <a:endParaRPr lang="pt-BR"/>
           </a:p>
@@ -2675,7 +2675,7 @@
           <a:p>
             <a:fld id="{6A58CEDB-879F-4E3D-8192-1252D44E9414}" type="datetimeFigureOut">
               <a:rPr lang="pt-BR" smtClean="0"/>
-              <a:t>06/08/2020</a:t>
+              <a:t>08/08/2020</a:t>
             </a:fld>
             <a:endParaRPr lang="pt-BR"/>
           </a:p>
@@ -2916,7 +2916,7 @@
           <a:p>
             <a:fld id="{6A58CEDB-879F-4E3D-8192-1252D44E9414}" type="datetimeFigureOut">
               <a:rPr lang="pt-BR" smtClean="0"/>
-              <a:t>06/08/2020</a:t>
+              <a:t>08/08/2020</a:t>
             </a:fld>
             <a:endParaRPr lang="pt-BR"/>
           </a:p>
@@ -3478,13 +3478,13 @@
           <a:p>
             <a:r>
               <a:rPr lang="pt-BR" dirty="0"/>
-              <a:t>O PROBLEMA</a:t>
+              <a:t>PROBLEMA</a:t>
             </a:r>
           </a:p>
           <a:p>
             <a:r>
               <a:rPr lang="pt-BR" dirty="0"/>
-              <a:t>OBJETIVO DO PROJETO</a:t>
+              <a:t>OBJETIVO </a:t>
             </a:r>
           </a:p>
           <a:p>
@@ -3502,7 +3502,7 @@
           <a:p>
             <a:r>
               <a:rPr lang="pt-BR" dirty="0"/>
-              <a:t>REFERENCIA</a:t>
+              <a:t>REFERÊNCIA</a:t>
             </a:r>
           </a:p>
         </p:txBody>
@@ -3565,7 +3565,7 @@
           <a:p>
             <a:r>
               <a:rPr lang="pt-BR" dirty="0"/>
-              <a:t>O PROBLEMA</a:t>
+              <a:t>PROBLEMA</a:t>
             </a:r>
           </a:p>
         </p:txBody>
@@ -3594,13 +3594,73 @@
         </p:spPr>
         <p:txBody>
           <a:bodyPr>
-            <a:normAutofit fontScale="77500" lnSpcReduction="20000"/>
+            <a:normAutofit fontScale="62500" lnSpcReduction="20000"/>
           </a:bodyPr>
           <a:lstStyle/>
           <a:p>
             <a:r>
               <a:rPr lang="pt-BR" dirty="0"/>
-              <a:t>Reavaliar o Projeto de Pesquisa realizado por Moro et Al. [2], 2014, sobre a campanha de um banco português para capitalizar mais recursos de clientes por meio de um plano de depósito a termo, em troca de pagamentos de juro depois de um prazo decorrido. A taxa de juros compete com a taxa de referência euribor3m, que é computada pelo banco Central Europeu.</a:t>
+              <a:t>Seria possível predizer se a chamada telefônica de um </a:t>
+            </a:r>
+            <a:r>
+              <a:rPr lang="pt-BR" dirty="0" err="1"/>
+              <a:t>call</a:t>
+            </a:r>
+            <a:r>
+              <a:rPr lang="pt-BR" dirty="0"/>
+              <a:t> center de marketing será bem sucedida para vender um plano de depósito a termo usando abordagem de machine learning apenas com os dados pessoais do cliente, dados de abordagem, e dados do momento sócio econômico?</a:t>
+            </a:r>
+          </a:p>
+          <a:p>
+            <a:r>
+              <a:rPr lang="pt-BR" dirty="0"/>
+              <a:t>Houve uma campanha de telemarketing realizado entre 2008 e 2013 por uma empresa contratada por um banco português para capitalizar mais recursos de clientes por meio de depósito a termo em troca de taxa de juros, que compete com o índice de referência euribor3m, controlado pelo Banco Central Europeu. Os clientes foram abordados por meio de chamadas telefônicas (ao celular ou ao telefone fixo) a partir de um </a:t>
+            </a:r>
+            <a:r>
+              <a:rPr lang="pt-BR" dirty="0" err="1"/>
+              <a:t>call</a:t>
+            </a:r>
+            <a:r>
+              <a:rPr lang="pt-BR" dirty="0"/>
+              <a:t> center por operadores de marketing. Hoje o dataset se encontra disponível ao público na UCI [1] e no </a:t>
+            </a:r>
+            <a:r>
+              <a:rPr lang="pt-BR" dirty="0" err="1"/>
+              <a:t>Kaggle</a:t>
+            </a:r>
+            <a:r>
+              <a:rPr lang="pt-BR" dirty="0"/>
+              <a:t>.</a:t>
+            </a:r>
+          </a:p>
+          <a:p>
+            <a:r>
+              <a:rPr lang="pt-BR" dirty="0"/>
+              <a:t>Este dataset contém registros de atributos pessoais do cliente (educação, profissão, idade, </a:t>
+            </a:r>
+            <a:r>
+              <a:rPr lang="pt-BR" dirty="0" err="1"/>
+              <a:t>etc</a:t>
+            </a:r>
+            <a:r>
+              <a:rPr lang="pt-BR" dirty="0"/>
+              <a:t>), atributos do relacionamento com o cliente (duração da chamada, quantas vezes foi abordado, </a:t>
+            </a:r>
+            <a:r>
+              <a:rPr lang="pt-BR" dirty="0" err="1"/>
+              <a:t>etc</a:t>
+            </a:r>
+            <a:r>
+              <a:rPr lang="pt-BR" dirty="0"/>
+              <a:t>), dados do momento sócio econômico (taxa euribor3m, número de trabalhadores ocupados, índice de confiança do consumidor, </a:t>
+            </a:r>
+            <a:r>
+              <a:rPr lang="pt-BR" dirty="0" err="1"/>
+              <a:t>etc</a:t>
+            </a:r>
+            <a:r>
+              <a:rPr lang="pt-BR" dirty="0"/>
+              <a:t>) e o mais importante, no final da abordagem se o cliente aceitou ou não o plano.</a:t>
             </a:r>
           </a:p>
           <a:p>
@@ -3614,7 +3674,7 @@
             </a:r>
             <a:r>
               <a:rPr lang="pt-BR" dirty="0"/>
-              <a:t> Al. [2] é mantida utilizando o mesmo dataset [1] da pesquisa que contém dados de abordagem ao cliente por meio de chamada telefônica, ao celular ou ao telefone fixo, realizado por uma empresa de telemarketing, entre 2008 e 2012. O operador tenta convencer o cliente a aceitar o plano depois de uma abordagem inicial com uma certa duração, onde o plano é explicado, os dados do clientes são anotados e também os dados sócios-econômicos do momento, no final da enquete, o cliente aceitou ou não o plano. E também vamos aferir se as conclusões atingidas por meio de análise qualitativas são similares.</a:t>
+              <a:t> Al. [2] é mantida utilizando o mesmo dataset [1]. E também vamos aferir se as conclusões atingidas por meio de análise qualitativas são similares.</a:t>
             </a:r>
           </a:p>
           <a:p>
@@ -3634,7 +3694,7 @@
     </p:spTree>
     <p:extLst>
       <p:ext uri="{BB962C8B-B14F-4D97-AF65-F5344CB8AC3E}">
-        <p14:creationId xmlns:p14="http://schemas.microsoft.com/office/powerpoint/2010/main" val="3982471591"/>
+        <p14:creationId xmlns:p14="http://schemas.microsoft.com/office/powerpoint/2010/main" val="2547574903"/>
       </p:ext>
     </p:extLst>
   </p:cSld>
@@ -3684,7 +3744,7 @@
           <a:p>
             <a:r>
               <a:rPr lang="pt-BR" dirty="0"/>
-              <a:t>OBJETIVO DO PROJETO</a:t>
+              <a:t>OBJETIVO</a:t>
             </a:r>
           </a:p>
         </p:txBody>
@@ -3713,31 +3773,101 @@
         </p:spPr>
         <p:txBody>
           <a:bodyPr>
-            <a:normAutofit fontScale="85000" lnSpcReduction="20000"/>
+            <a:normAutofit fontScale="77500" lnSpcReduction="20000"/>
           </a:bodyPr>
           <a:lstStyle/>
           <a:p>
             <a:r>
               <a:rPr lang="pt-BR" dirty="0"/>
-              <a:t>O nosso objetivo é avaliar se algum modelo de predição se ajusta no dataset proposto durante as etapas de machine learning, que consiste de uma etapa de treinamento dos dados, onde o modelo é definido, uma etapa de teste do modelo e uma etapa de análise qualitativa para análise das features mais importantes e um comparativo entre diferentes técnicas de modelagem é realizada.</a:t>
-            </a:r>
-          </a:p>
-          <a:p>
+              <a:t>O nosso objetivo é avaliar se algum modelo de predição se ajusta no dataset proposto durante a etapa de treinamento das fases do processo de machine learning, quando o modelo é definido. Como o dataset é composto por valores numéricos e categóricos, utilizaremos os classificadores Logistic Regression e Decision </a:t>
+            </a:r>
+            <a:r>
+              <a:rPr lang="pt-BR" dirty="0" err="1"/>
+              <a:t>Tree</a:t>
+            </a:r>
             <a:r>
               <a:rPr lang="pt-BR" dirty="0"/>
-              <a:t>A nossa hipótese principal é verificar se a atenção dada à etapa de treinamento melhora as métricas e conclusões.</a:t>
+              <a:t>. Vamos testar o modelo e fazer uma análise qualitativa das features mais importantes e finalmente vamos comparar os modelos com os casos de referências. </a:t>
             </a:r>
           </a:p>
           <a:p>
             <a:r>
               <a:rPr lang="pt-BR" dirty="0"/>
-              <a:t>Pretendemos utilizar no treinamento, principalmente, as técnicas: SMOTE, dummy variables, normalization. Para o modelamento, utilizaremos os algoritmos de Logistic Regression e Decision Tree. Para as métricas, basicamente as métricas geradas pela matriz de confusão.</a:t>
+              <a:t>A nossa hipótese principal é verificar se a atenção dada à etapa de preparação dos dados melhora as métricas e conclusões.</a:t>
             </a:r>
           </a:p>
           <a:p>
             <a:r>
               <a:rPr lang="pt-BR" dirty="0"/>
-              <a:t>Para a análise qualitativa, pretendemos utilizar: feature importance, RFE e estatística básica (média, desvio padrão, quantificação, t-</a:t>
+              <a:t>Pretendemos utilizar na preparação dos dados, principalmente, as técnicas: SMOTE (balanceamento das amostra com casos positivos e negativos), </a:t>
+            </a:r>
+            <a:r>
+              <a:rPr lang="pt-BR" dirty="0" err="1"/>
+              <a:t>dummy</a:t>
+            </a:r>
+            <a:r>
+              <a:rPr lang="pt-BR" dirty="0"/>
+              <a:t> </a:t>
+            </a:r>
+            <a:r>
+              <a:rPr lang="pt-BR" dirty="0" err="1"/>
+              <a:t>variables</a:t>
+            </a:r>
+            <a:r>
+              <a:rPr lang="pt-BR" dirty="0"/>
+              <a:t> (para features categóricas), normalization. </a:t>
+            </a:r>
+          </a:p>
+          <a:p>
+            <a:r>
+              <a:rPr lang="pt-BR" dirty="0"/>
+              <a:t>Para as métricas, utilizaremos o </a:t>
+            </a:r>
+            <a:r>
+              <a:rPr lang="pt-BR" dirty="0" err="1"/>
+              <a:t>classification_report</a:t>
+            </a:r>
+            <a:r>
+              <a:rPr lang="pt-BR" dirty="0"/>
+              <a:t> após a geração da matriz de confusão, para obter as métricas </a:t>
+            </a:r>
+            <a:r>
+              <a:rPr lang="pt-BR" dirty="0" err="1"/>
+              <a:t>auc</a:t>
+            </a:r>
+            <a:r>
+              <a:rPr lang="pt-BR" dirty="0"/>
+              <a:t>, </a:t>
+            </a:r>
+            <a:r>
+              <a:rPr lang="pt-BR" dirty="0" err="1"/>
+              <a:t>accuracy</a:t>
+            </a:r>
+            <a:r>
+              <a:rPr lang="pt-BR" dirty="0"/>
+              <a:t>, </a:t>
+            </a:r>
+            <a:r>
+              <a:rPr lang="pt-BR" dirty="0" err="1"/>
+              <a:t>precision</a:t>
+            </a:r>
+            <a:r>
+              <a:rPr lang="pt-BR" dirty="0"/>
+              <a:t>, recall e f1-score.</a:t>
+            </a:r>
+          </a:p>
+          <a:p>
+            <a:r>
+              <a:rPr lang="pt-BR" dirty="0"/>
+              <a:t>Para a análise qualitativa (A.Q.), pretendemos utilizar: </a:t>
+            </a:r>
+            <a:r>
+              <a:rPr lang="pt-BR" dirty="0" err="1"/>
+              <a:t>feature</a:t>
+            </a:r>
+            <a:r>
+              <a:rPr lang="pt-BR" dirty="0"/>
+              <a:t> importance, RFE e estatística básica (média, desvio padrão, quantificação, t-</a:t>
             </a:r>
             <a:r>
               <a:rPr lang="pt-BR" dirty="0" err="1"/>
@@ -3756,7 +3886,7 @@
     </p:spTree>
     <p:extLst>
       <p:ext uri="{BB962C8B-B14F-4D97-AF65-F5344CB8AC3E}">
-        <p14:creationId xmlns:p14="http://schemas.microsoft.com/office/powerpoint/2010/main" val="3471528533"/>
+        <p14:creationId xmlns:p14="http://schemas.microsoft.com/office/powerpoint/2010/main" val="277633475"/>
       </p:ext>
     </p:extLst>
   </p:cSld>
